--- a/Presentazione PMCSN.pptx
+++ b/Presentazione PMCSN.pptx
@@ -5521,7 +5521,7 @@
             </a:pPr>
             <a:r>
               <a:rPr lang="en-US" sz="3600"/>
-              <a:t>Total jobs: 400018 (output: 400000) [pr1:794, pr2:119880,pr3:240072,pr4:39254]</a:t>
+              <a:t>Total jobs: 400003 (output: 400000) [pr1:794, pr2:119876,pr3:240062,pr4:39268]</a:t>
             </a:r>
             <a:endParaRPr lang="en-US" sz="3600"/>
           </a:p>
@@ -5531,7 +5531,7 @@
             </a:pPr>
             <a:r>
               <a:rPr lang="en-US" sz="3600"/>
-              <a:t>Avg wait time: 58.42h</a:t>
+              <a:t>Avg wait time: 6.25h</a:t>
             </a:r>
             <a:endParaRPr lang="en-US" sz="3600"/>
           </a:p>
@@ -5541,7 +5541,7 @@
             </a:pPr>
             <a:r>
               <a:rPr lang="en-US" sz="3600"/>
-              <a:t>Avg service time: 31.71h</a:t>
+              <a:t>Avg service time: 31.70h</a:t>
             </a:r>
             <a:endParaRPr lang="en-US" sz="3600"/>
           </a:p>
@@ -5551,11 +5551,14 @@
             </a:pPr>
             <a:r>
               <a:rPr lang="en-US" sz="3600"/>
-              <a:t>Avg response time: 90.13h</a:t>
+              <a:t>Avg response time: 37.95h</a:t>
             </a:r>
             <a:endParaRPr lang="en-US" sz="3600"/>
           </a:p>
           <a:p>
+            <a:pPr marL="0" indent="0">
+              <a:buNone/>
+            </a:pPr>
             <a:endParaRPr lang="en-US" sz="3600"/>
           </a:p>
           <a:p>
@@ -5574,7 +5577,7 @@
             </a:pPr>
             <a:r>
               <a:rPr lang="en-US" sz="3600"/>
-              <a:t>[Prior 1] job: 794, wait: 0.20h, service: 5.19h, response: 5.39h</a:t>
+              <a:t>[Prior 1] job: 794, wait: 0.13h, service: 4.96h, response: 5.09h</a:t>
             </a:r>
             <a:endParaRPr lang="en-US" sz="3600"/>
           </a:p>
@@ -5584,7 +5587,7 @@
             </a:pPr>
             <a:r>
               <a:rPr lang="en-US" sz="3600"/>
-              <a:t>[Prior 2] job: 119880, wait: 8.82h, service: 17.44h, response: 26.26h</a:t>
+              <a:t>[Prior 2] job: 119876, wait: 3.40h, service: 17.44h, response: 20.84h</a:t>
             </a:r>
             <a:endParaRPr lang="en-US" sz="3600"/>
           </a:p>
@@ -5594,7 +5597,7 @@
             </a:pPr>
             <a:r>
               <a:rPr lang="en-US" sz="3600"/>
-              <a:t>[Prior 3] job: 240072, wait: 45.51h, service: 17.44h, response: 62.96h</a:t>
+              <a:t>[Prior 3] job: 240062, wait: 6.60h, service: 17.43h, response: 24.03h</a:t>
             </a:r>
             <a:endParaRPr lang="en-US" sz="3600"/>
           </a:p>
@@ -5604,11 +5607,14 @@
             </a:pPr>
             <a:r>
               <a:rPr lang="en-US" sz="3600"/>
-              <a:t>[Prior 4] job: 39254, wait: 369.62h, service: 17.43h, response: 387.05h</a:t>
+              <a:t>[Prior 4] job: 39268, wait: 12.56h, service: 17.38h, response: 29.94h</a:t>
             </a:r>
             <a:endParaRPr lang="en-US" sz="3600"/>
           </a:p>
           <a:p>
+            <a:pPr marL="0" indent="0">
+              <a:buNone/>
+            </a:pPr>
             <a:endParaRPr lang="en-US" sz="3600"/>
           </a:p>
           <a:p>
@@ -5627,7 +5633,7 @@
             </a:pPr>
             <a:r>
               <a:rPr lang="en-US" sz="3600"/>
-              <a:t>[Center 1] job: 460445, wait: 53.53h, service: 4.79h, response: 58.32h</a:t>
+              <a:t>[Center 1] job: 460306, wait: 1.29h, service: 4.79h, response: 6.08h</a:t>
             </a:r>
             <a:endParaRPr lang="en-US" sz="3600"/>
           </a:p>
@@ -5637,7 +5643,7 @@
             </a:pPr>
             <a:r>
               <a:rPr lang="en-US" sz="3600"/>
-              <a:t>[Center 2] job: 482139, wait: 3.31h, service: 5.99h, response: 9.30h</a:t>
+              <a:t>[Center 2] job: 481942, wait: 3.41h, service: 5.98h, response: 9.39h</a:t>
             </a:r>
             <a:endParaRPr lang="en-US" sz="3600"/>
           </a:p>
@@ -5647,7 +5653,7 @@
             </a:pPr>
             <a:r>
               <a:rPr lang="en-US" sz="3600"/>
-              <a:t>[Center 3] job: 434626, wait: 0.24h, service: 2.99h, response: 3.23h</a:t>
+              <a:t>[Center 3] job: 434602, wait: 0.24h, service: 2.99h, response: 3.23h</a:t>
             </a:r>
             <a:endParaRPr lang="en-US" sz="3600"/>
           </a:p>
@@ -5657,7 +5663,7 @@
             </a:pPr>
             <a:r>
               <a:rPr lang="en-US" sz="3600"/>
-              <a:t>[Center 4] job: 130021, wait: 1.12h, service: 3.99h, response: 5.11h</a:t>
+              <a:t>[Center 4] job: 129901, wait: 1.10h, service: 3.99h, response: 5.09h</a:t>
             </a:r>
             <a:endParaRPr lang="en-US" sz="3600"/>
           </a:p>
@@ -5667,7 +5673,7 @@
             </a:pPr>
             <a:r>
               <a:rPr lang="en-US" sz="3600"/>
-              <a:t>[Center 5] job: 4351, wait: 0.22h, service: 11.93h, response: 12.15h</a:t>
+              <a:t>[Center 5] job: 4344, wait: 0.21h, service: 11.93h, response: 12.14h</a:t>
             </a:r>
             <a:endParaRPr lang="en-US" sz="3600"/>
           </a:p>
@@ -5682,7 +5688,10 @@
             <a:endParaRPr lang="en-US" sz="3600"/>
           </a:p>
           <a:p>
-            <a:endParaRPr lang="en-US"/>
+            <a:pPr marL="0" indent="0">
+              <a:buNone/>
+            </a:pPr>
+            <a:endParaRPr lang="en-US" sz="3600"/>
           </a:p>
           <a:p>
             <a:endParaRPr lang="en-US"/>
@@ -5706,7 +5715,7 @@
         </p:spPr>
         <p:txBody>
           <a:bodyPr vert="horz" lIns="91440" tIns="45720" rIns="91440" bIns="45720" rtlCol="0">
-            <a:normAutofit fontScale="30000"/>
+            <a:normAutofit fontScale="25000"/>
           </a:bodyPr>
           <a:lstStyle>
             <a:lvl1pPr marL="228600" indent="-228600" algn="l" defTabSz="914400" rtl="0" eaLnBrk="1" latinLnBrk="0" hangingPunct="1">
@@ -5877,171 +5886,191 @@
               <a:buNone/>
             </a:pPr>
             <a:r>
-              <a:rPr lang="en-US" sz="3000">
+              <a:rPr lang="en-US" sz="3600">
                 <a:sym typeface="+mn-ea"/>
               </a:rPr>
-              <a:t>&gt; Centers wighted: The feedback is refered as the old job</a:t>
-            </a:r>
-            <a:endParaRPr lang="en-US" sz="3000"/>
+              <a:t>-&gt; Centers wighted: The feedback is refered as the old job</a:t>
+            </a:r>
+            <a:endParaRPr lang="en-US" sz="3600"/>
           </a:p>
           <a:p>
             <a:pPr marL="0" indent="0">
               <a:buNone/>
             </a:pPr>
             <a:r>
-              <a:rPr lang="en-US" sz="3000">
+              <a:rPr lang="en-US" sz="3600">
                 <a:sym typeface="+mn-ea"/>
               </a:rPr>
-              <a:t>[Center 1] job: 399206, wait: 61.74h, service: 5.53h, response: 67.26h</a:t>
-            </a:r>
-            <a:endParaRPr lang="en-US" sz="3000"/>
+              <a:t>[Center 1] job: 399206, wait: 1.49h, service: 5.53h, response: 7.01h</a:t>
+            </a:r>
+            <a:endParaRPr lang="en-US" sz="3600"/>
           </a:p>
           <a:p>
             <a:pPr marL="0" indent="0">
               <a:buNone/>
             </a:pPr>
             <a:r>
-              <a:rPr lang="en-US" sz="3000">
+              <a:rPr lang="en-US" sz="3600">
                 <a:sym typeface="+mn-ea"/>
               </a:rPr>
-              <a:t>[Center 2] job: 399206, wait: 4.00h, service: 7.23h, response: 11.23h</a:t>
-            </a:r>
-            <a:endParaRPr lang="en-US" sz="3000"/>
+              <a:t>[Center 2] job: </a:t>
+            </a:r>
+            <a:r>
+              <a:rPr lang="en-US" sz="3600">
+                <a:sym typeface="+mn-ea"/>
+              </a:rPr>
+              <a:t>399206, wait: 4.12h, service: 7.22h, response: 11.34h</a:t>
+            </a:r>
+            <a:endParaRPr lang="en-US" sz="3600"/>
           </a:p>
           <a:p>
             <a:pPr marL="0" indent="0">
               <a:buNone/>
             </a:pPr>
             <a:r>
-              <a:rPr lang="en-US" sz="3000">
+              <a:rPr lang="en-US" sz="3600">
                 <a:sym typeface="+mn-ea"/>
               </a:rPr>
               <a:t>[Center 3] job: 400000, wait: 0.26h, service: 3.25h, response: 3.51h</a:t>
             </a:r>
-            <a:endParaRPr lang="en-US" sz="3000"/>
+            <a:endParaRPr lang="en-US" sz="3600"/>
           </a:p>
           <a:p>
             <a:pPr marL="0" indent="0">
               <a:buNone/>
             </a:pPr>
             <a:r>
-              <a:rPr lang="en-US" sz="3000">
+              <a:rPr lang="en-US" sz="3600">
                 <a:sym typeface="+mn-ea"/>
               </a:rPr>
-              <a:t>[Center 4] job: 126743, wait: 1.15h, service: 4.10h, response: 5.25h</a:t>
-            </a:r>
-            <a:endParaRPr lang="en-US" sz="3000"/>
+              <a:t>[Center 4] job: 126604, wait: 1.13h, service: 4.10h, response: 5.22h</a:t>
+            </a:r>
+            <a:endParaRPr lang="en-US" sz="3600"/>
           </a:p>
           <a:p>
             <a:pPr marL="0" indent="0">
               <a:buNone/>
             </a:pPr>
             <a:r>
-              <a:rPr lang="en-US" sz="3000">
+              <a:rPr lang="en-US" sz="3600">
                 <a:sym typeface="+mn-ea"/>
               </a:rPr>
-              <a:t>[Center 5] job: 4295, wait: 0.23h, service: 12.08h, response: 12.31h</a:t>
-            </a:r>
-            <a:endParaRPr lang="en-US" sz="3000"/>
+              <a:t>[Center 5] job: 4300, wait: 0.21h, service: 12.05h, response: 12.27h</a:t>
+            </a:r>
+            <a:endParaRPr lang="en-US" sz="3600"/>
           </a:p>
           <a:p>
             <a:pPr marL="0" indent="0">
               <a:buNone/>
             </a:pPr>
             <a:r>
-              <a:rPr lang="en-US" sz="3000">
+              <a:rPr lang="en-US" sz="3600">
                 <a:sym typeface="+mn-ea"/>
               </a:rPr>
               <a:t>[Center 6] job: 794, wait: 0.00h, service: 2.01h, response: 2.01h</a:t>
             </a:r>
-            <a:endParaRPr lang="en-US" sz="3000"/>
-          </a:p>
-          <a:p>
-            <a:endParaRPr lang="en-US" sz="3000"/>
+            <a:endParaRPr lang="en-US" sz="3600"/>
+          </a:p>
+          <a:p>
+            <a:endParaRPr lang="en-US" sz="3600"/>
           </a:p>
           <a:p>
             <a:pPr marL="0" indent="0">
               <a:buNone/>
             </a:pPr>
             <a:r>
-              <a:rPr lang="en-US" sz="3000">
+              <a:rPr lang="en-US" sz="3600">
                 <a:sym typeface="+mn-ea"/>
               </a:rPr>
               <a:t>-&gt; Little Law</a:t>
             </a:r>
-            <a:endParaRPr lang="en-US" sz="3000"/>
+            <a:endParaRPr lang="en-US" sz="3600">
+              <a:sym typeface="+mn-ea"/>
+            </a:endParaRPr>
           </a:p>
           <a:p>
             <a:pPr marL="0" indent="0">
               <a:buNone/>
             </a:pPr>
             <a:r>
-              <a:rPr lang="en-US" sz="3000">
+              <a:rPr lang="en-US" sz="3600">
                 <a:sym typeface="+mn-ea"/>
               </a:rPr>
-              <a:t>[Center 1] job queue: 10.268, service: 0.919, center: 11.187</a:t>
-            </a:r>
-            <a:endParaRPr lang="en-US" sz="3000"/>
+              <a:t>[Center 1] job queue: 0.247, service: 0.919, center: 1.166</a:t>
+            </a:r>
+            <a:endParaRPr lang="en-US" sz="3600">
+              <a:sym typeface="+mn-ea"/>
+            </a:endParaRPr>
           </a:p>
           <a:p>
             <a:pPr marL="0" indent="0">
               <a:buNone/>
             </a:pPr>
             <a:r>
-              <a:rPr lang="en-US" sz="3000">
+              <a:rPr lang="en-US" sz="3600">
                 <a:sym typeface="+mn-ea"/>
               </a:rPr>
-              <a:t>[Center 2] job queue: 0.665, service: 1.203, center: 1.868</a:t>
-            </a:r>
-            <a:endParaRPr lang="en-US" sz="3000"/>
+              <a:t>[Center 2] job queue: 0.685, service: 1.201, center: 1.886</a:t>
+            </a:r>
+            <a:endParaRPr lang="en-US" sz="3600">
+              <a:sym typeface="+mn-ea"/>
+            </a:endParaRPr>
           </a:p>
           <a:p>
             <a:pPr marL="0" indent="0">
               <a:buNone/>
             </a:pPr>
             <a:r>
-              <a:rPr lang="en-US" sz="3000">
+              <a:rPr lang="en-US" sz="3600">
                 <a:sym typeface="+mn-ea"/>
               </a:rPr>
               <a:t>[Center 3] job queue: 0.043, service: 0.542, center: 0.585</a:t>
             </a:r>
-            <a:endParaRPr lang="en-US" sz="3000"/>
+            <a:endParaRPr lang="en-US" sz="3600">
+              <a:sym typeface="+mn-ea"/>
+            </a:endParaRPr>
           </a:p>
           <a:p>
             <a:pPr marL="0" indent="0">
               <a:buNone/>
             </a:pPr>
             <a:r>
-              <a:rPr lang="en-US" sz="3000">
+              <a:rPr lang="en-US" sz="3600">
                 <a:sym typeface="+mn-ea"/>
               </a:rPr>
-              <a:t>[Center 4] job queue: 0.061, service: 0.216, center: 0.277</a:t>
-            </a:r>
-            <a:endParaRPr lang="en-US" sz="3000"/>
+              <a:t>[Center 4] job queue: 0.059, service: 0.216, center: 0.276</a:t>
+            </a:r>
+            <a:endParaRPr lang="en-US" sz="3600">
+              <a:sym typeface="+mn-ea"/>
+            </a:endParaRPr>
           </a:p>
           <a:p>
             <a:pPr marL="0" indent="0">
               <a:buNone/>
             </a:pPr>
             <a:r>
-              <a:rPr lang="en-US" sz="3000">
+              <a:rPr lang="en-US" sz="3600">
                 <a:sym typeface="+mn-ea"/>
               </a:rPr>
               <a:t>[Center 5] job queue: 0.000, service: 0.022, center: 0.022</a:t>
             </a:r>
-            <a:endParaRPr lang="en-US" sz="3000"/>
+            <a:endParaRPr lang="en-US" sz="3600">
+              <a:sym typeface="+mn-ea"/>
+            </a:endParaRPr>
           </a:p>
           <a:p>
             <a:pPr marL="0" indent="0">
               <a:buNone/>
             </a:pPr>
             <a:r>
-              <a:rPr lang="en-US" sz="3000">
+              <a:rPr lang="en-US" sz="3600">
                 <a:sym typeface="+mn-ea"/>
               </a:rPr>
               <a:t>[Center 6] job queue: 0.000, service: 0.001, center: 0.001</a:t>
             </a:r>
-            <a:endParaRPr lang="en-US" sz="3000"/>
+            <a:endParaRPr lang="en-US" sz="3600">
+              <a:sym typeface="+mn-ea"/>
+            </a:endParaRPr>
           </a:p>
         </p:txBody>
       </p:sp>
